--- a/documentations/USA Accidents.pptx
+++ b/documentations/USA Accidents.pptx
@@ -319,7 +319,7 @@
           <a:p>
             <a:fld id="{D152AB39-8605-4FDF-B44F-9A0ECF25F143}" type="datetimeFigureOut">
               <a:rPr lang="it-IT" smtClean="0"/>
-              <a:t>13/07/2024</a:t>
+              <a:t>16/07/2024</a:t>
             </a:fld>
             <a:endParaRPr lang="it-IT"/>
           </a:p>
@@ -600,7 +600,7 @@
           <a:p>
             <a:fld id="{D152AB39-8605-4FDF-B44F-9A0ECF25F143}" type="datetimeFigureOut">
               <a:rPr lang="it-IT" smtClean="0"/>
-              <a:t>13/07/2024</a:t>
+              <a:t>16/07/2024</a:t>
             </a:fld>
             <a:endParaRPr lang="it-IT"/>
           </a:p>
@@ -792,7 +792,7 @@
           <a:p>
             <a:fld id="{D152AB39-8605-4FDF-B44F-9A0ECF25F143}" type="datetimeFigureOut">
               <a:rPr lang="it-IT" smtClean="0"/>
-              <a:t>13/07/2024</a:t>
+              <a:t>16/07/2024</a:t>
             </a:fld>
             <a:endParaRPr lang="it-IT"/>
           </a:p>
@@ -1053,7 +1053,7 @@
           <a:p>
             <a:fld id="{D152AB39-8605-4FDF-B44F-9A0ECF25F143}" type="datetimeFigureOut">
               <a:rPr lang="it-IT" smtClean="0"/>
-              <a:t>13/07/2024</a:t>
+              <a:t>16/07/2024</a:t>
             </a:fld>
             <a:endParaRPr lang="it-IT"/>
           </a:p>
@@ -1479,7 +1479,7 @@
           <a:p>
             <a:fld id="{D152AB39-8605-4FDF-B44F-9A0ECF25F143}" type="datetimeFigureOut">
               <a:rPr lang="it-IT" smtClean="0"/>
-              <a:t>13/07/2024</a:t>
+              <a:t>16/07/2024</a:t>
             </a:fld>
             <a:endParaRPr lang="it-IT"/>
           </a:p>
@@ -2025,7 +2025,7 @@
           <a:p>
             <a:fld id="{D152AB39-8605-4FDF-B44F-9A0ECF25F143}" type="datetimeFigureOut">
               <a:rPr lang="it-IT" smtClean="0"/>
-              <a:t>13/07/2024</a:t>
+              <a:t>16/07/2024</a:t>
             </a:fld>
             <a:endParaRPr lang="it-IT"/>
           </a:p>
@@ -2856,7 +2856,7 @@
           <a:p>
             <a:fld id="{D152AB39-8605-4FDF-B44F-9A0ECF25F143}" type="datetimeFigureOut">
               <a:rPr lang="it-IT" smtClean="0"/>
-              <a:t>13/07/2024</a:t>
+              <a:t>16/07/2024</a:t>
             </a:fld>
             <a:endParaRPr lang="it-IT"/>
           </a:p>
@@ -3026,7 +3026,7 @@
           <a:p>
             <a:fld id="{D152AB39-8605-4FDF-B44F-9A0ECF25F143}" type="datetimeFigureOut">
               <a:rPr lang="it-IT" smtClean="0"/>
-              <a:t>13/07/2024</a:t>
+              <a:t>16/07/2024</a:t>
             </a:fld>
             <a:endParaRPr lang="it-IT"/>
           </a:p>
@@ -3206,7 +3206,7 @@
           <a:p>
             <a:fld id="{D152AB39-8605-4FDF-B44F-9A0ECF25F143}" type="datetimeFigureOut">
               <a:rPr lang="it-IT" smtClean="0"/>
-              <a:t>13/07/2024</a:t>
+              <a:t>16/07/2024</a:t>
             </a:fld>
             <a:endParaRPr lang="it-IT"/>
           </a:p>
@@ -3376,7 +3376,7 @@
           <a:p>
             <a:fld id="{D152AB39-8605-4FDF-B44F-9A0ECF25F143}" type="datetimeFigureOut">
               <a:rPr lang="it-IT" smtClean="0"/>
-              <a:t>13/07/2024</a:t>
+              <a:t>16/07/2024</a:t>
             </a:fld>
             <a:endParaRPr lang="it-IT"/>
           </a:p>
@@ -3633,7 +3633,7 @@
           <a:p>
             <a:fld id="{D152AB39-8605-4FDF-B44F-9A0ECF25F143}" type="datetimeFigureOut">
               <a:rPr lang="it-IT" smtClean="0"/>
-              <a:t>13/07/2024</a:t>
+              <a:t>16/07/2024</a:t>
             </a:fld>
             <a:endParaRPr lang="it-IT"/>
           </a:p>
@@ -3865,7 +3865,7 @@
           <a:p>
             <a:fld id="{D152AB39-8605-4FDF-B44F-9A0ECF25F143}" type="datetimeFigureOut">
               <a:rPr lang="it-IT" smtClean="0"/>
-              <a:t>13/07/2024</a:t>
+              <a:t>16/07/2024</a:t>
             </a:fld>
             <a:endParaRPr lang="it-IT"/>
           </a:p>
@@ -4258,7 +4258,7 @@
           <a:p>
             <a:fld id="{D152AB39-8605-4FDF-B44F-9A0ECF25F143}" type="datetimeFigureOut">
               <a:rPr lang="it-IT" smtClean="0"/>
-              <a:t>13/07/2024</a:t>
+              <a:t>16/07/2024</a:t>
             </a:fld>
             <a:endParaRPr lang="it-IT"/>
           </a:p>
@@ -4376,7 +4376,7 @@
           <a:p>
             <a:fld id="{D152AB39-8605-4FDF-B44F-9A0ECF25F143}" type="datetimeFigureOut">
               <a:rPr lang="it-IT" smtClean="0"/>
-              <a:t>13/07/2024</a:t>
+              <a:t>16/07/2024</a:t>
             </a:fld>
             <a:endParaRPr lang="it-IT"/>
           </a:p>
@@ -4471,7 +4471,7 @@
           <a:p>
             <a:fld id="{D152AB39-8605-4FDF-B44F-9A0ECF25F143}" type="datetimeFigureOut">
               <a:rPr lang="it-IT" smtClean="0"/>
-              <a:t>13/07/2024</a:t>
+              <a:t>16/07/2024</a:t>
             </a:fld>
             <a:endParaRPr lang="it-IT"/>
           </a:p>
@@ -4744,7 +4744,7 @@
           <a:p>
             <a:fld id="{D152AB39-8605-4FDF-B44F-9A0ECF25F143}" type="datetimeFigureOut">
               <a:rPr lang="it-IT" smtClean="0"/>
-              <a:t>13/07/2024</a:t>
+              <a:t>16/07/2024</a:t>
             </a:fld>
             <a:endParaRPr lang="it-IT"/>
           </a:p>
@@ -5025,7 +5025,7 @@
           <a:p>
             <a:fld id="{D152AB39-8605-4FDF-B44F-9A0ECF25F143}" type="datetimeFigureOut">
               <a:rPr lang="it-IT" smtClean="0"/>
-              <a:t>13/07/2024</a:t>
+              <a:t>16/07/2024</a:t>
             </a:fld>
             <a:endParaRPr lang="it-IT"/>
           </a:p>
@@ -5265,7 +5265,7 @@
           <a:p>
             <a:fld id="{D152AB39-8605-4FDF-B44F-9A0ECF25F143}" type="datetimeFigureOut">
               <a:rPr lang="it-IT" smtClean="0"/>
-              <a:t>13/07/2024</a:t>
+              <a:t>16/07/2024</a:t>
             </a:fld>
             <a:endParaRPr lang="it-IT"/>
           </a:p>
@@ -9266,7 +9266,7 @@
         <p:spPr>
           <a:xfrm>
             <a:off x="1120000" y="1825625"/>
-            <a:ext cx="9862131" cy="4351338"/>
+            <a:ext cx="9862131" cy="4543644"/>
           </a:xfrm>
           <a:solidFill>
             <a:schemeClr val="bg1">
@@ -9277,7 +9277,7 @@
         </p:spPr>
         <p:txBody>
           <a:bodyPr>
-            <a:normAutofit fontScale="62500" lnSpcReduction="20000"/>
+            <a:normAutofit fontScale="55000" lnSpcReduction="20000"/>
           </a:bodyPr>
           <a:lstStyle/>
           <a:p>
@@ -9374,6 +9374,78 @@
                 <a:latin typeface="Consolas" panose="020B0609020204030204" pitchFamily="49" charset="0"/>
               </a:rPr>
               <a:t>pd</a:t>
+            </a:r>
+          </a:p>
+          <a:p>
+            <a:pPr marL="0" indent="0">
+              <a:buNone/>
+            </a:pPr>
+            <a:r>
+              <a:rPr lang="en-US" b="0" dirty="0">
+                <a:solidFill>
+                  <a:srgbClr val="C586C0"/>
+                </a:solidFill>
+                <a:effectLst/>
+                <a:highlight>
+                  <a:srgbClr val="1F1F1F"/>
+                </a:highlight>
+                <a:latin typeface="Consolas" panose="020B0609020204030204" pitchFamily="49" charset="0"/>
+              </a:rPr>
+              <a:t>import</a:t>
+            </a:r>
+            <a:r>
+              <a:rPr lang="en-US" b="0" dirty="0">
+                <a:solidFill>
+                  <a:srgbClr val="CCCCCC"/>
+                </a:solidFill>
+                <a:effectLst/>
+                <a:highlight>
+                  <a:srgbClr val="1F1F1F"/>
+                </a:highlight>
+                <a:latin typeface="Consolas" panose="020B0609020204030204" pitchFamily="49" charset="0"/>
+              </a:rPr>
+              <a:t> </a:t>
+            </a:r>
+            <a:r>
+              <a:rPr lang="en-US" b="0" dirty="0">
+                <a:solidFill>
+                  <a:srgbClr val="4EC9B0"/>
+                </a:solidFill>
+                <a:effectLst/>
+                <a:highlight>
+                  <a:srgbClr val="1F1F1F"/>
+                </a:highlight>
+                <a:latin typeface="Consolas" panose="020B0609020204030204" pitchFamily="49" charset="0"/>
+              </a:rPr>
+              <a:t>math</a:t>
+            </a:r>
+            <a:endParaRPr lang="en-US" b="0" dirty="0">
+              <a:solidFill>
+                <a:srgbClr val="CCCCCC"/>
+              </a:solidFill>
+              <a:effectLst/>
+              <a:highlight>
+                <a:srgbClr val="1F1F1F"/>
+              </a:highlight>
+              <a:latin typeface="Consolas" panose="020B0609020204030204" pitchFamily="49" charset="0"/>
+            </a:endParaRPr>
+          </a:p>
+          <a:p>
+            <a:pPr marL="0" indent="0">
+              <a:buNone/>
+            </a:pPr>
+            <a:r>
+              <a:rPr lang="it-IT" b="0" dirty="0">
+                <a:solidFill>
+                  <a:srgbClr val="6A9955"/>
+                </a:solidFill>
+                <a:effectLst/>
+                <a:highlight>
+                  <a:srgbClr val="1F1F1F"/>
+                </a:highlight>
+                <a:latin typeface="Consolas" panose="020B0609020204030204" pitchFamily="49" charset="0"/>
+              </a:rPr>
+              <a:t>#Sampling Factor</a:t>
             </a:r>
             <a:endParaRPr lang="it-IT" b="0" dirty="0">
               <a:solidFill>
@@ -9393,15 +9465,67 @@
             <a:r>
               <a:rPr lang="it-IT" b="0" dirty="0">
                 <a:solidFill>
-                  <a:srgbClr val="6A9955"/>
-                </a:solidFill>
-                <a:effectLst/>
-                <a:highlight>
-                  <a:srgbClr val="1F1F1F"/>
-                </a:highlight>
-                <a:latin typeface="Consolas" panose="020B0609020204030204" pitchFamily="49" charset="0"/>
-              </a:rPr>
-              <a:t>#Sampling Factor</a:t>
+                  <a:srgbClr val="9CDCFE"/>
+                </a:solidFill>
+                <a:effectLst/>
+                <a:highlight>
+                  <a:srgbClr val="1F1F1F"/>
+                </a:highlight>
+                <a:latin typeface="Consolas" panose="020B0609020204030204" pitchFamily="49" charset="0"/>
+              </a:rPr>
+              <a:t>SamplingFactor</a:t>
+            </a:r>
+            <a:r>
+              <a:rPr lang="it-IT" b="0" dirty="0">
+                <a:solidFill>
+                  <a:srgbClr val="CCCCCC"/>
+                </a:solidFill>
+                <a:effectLst/>
+                <a:highlight>
+                  <a:srgbClr val="1F1F1F"/>
+                </a:highlight>
+                <a:latin typeface="Consolas" panose="020B0609020204030204" pitchFamily="49" charset="0"/>
+              </a:rPr>
+              <a:t> </a:t>
+            </a:r>
+            <a:r>
+              <a:rPr lang="it-IT" b="0" dirty="0">
+                <a:solidFill>
+                  <a:srgbClr val="D4D4D4"/>
+                </a:solidFill>
+                <a:effectLst/>
+                <a:highlight>
+                  <a:srgbClr val="1F1F1F"/>
+                </a:highlight>
+                <a:latin typeface="Consolas" panose="020B0609020204030204" pitchFamily="49" charset="0"/>
+              </a:rPr>
+              <a:t>=</a:t>
+            </a:r>
+            <a:r>
+              <a:rPr lang="it-IT" b="0" dirty="0">
+                <a:solidFill>
+                  <a:srgbClr val="CCCCCC"/>
+                </a:solidFill>
+                <a:effectLst/>
+                <a:highlight>
+                  <a:srgbClr val="1F1F1F"/>
+                </a:highlight>
+                <a:latin typeface="Consolas" panose="020B0609020204030204" pitchFamily="49" charset="0"/>
+              </a:rPr>
+              <a:t> </a:t>
+            </a:r>
+            <a:r>
+              <a:rPr lang="it-IT" b="0" dirty="0">
+                <a:solidFill>
+                  <a:srgbClr val="B5CEA8"/>
+                </a:solidFill>
+                <a:effectLst/>
+                <a:highlight>
+                  <a:srgbClr val="1F1F1F"/>
+                </a:highlight>
+                <a:latin typeface="Consolas" panose="020B0609020204030204" pitchFamily="49" charset="0"/>
+              </a:rPr>
+              <a:t>50</a:t>
             </a:r>
             <a:endParaRPr lang="it-IT" b="0" dirty="0">
               <a:solidFill>
@@ -9421,67 +9545,15 @@
             <a:r>
               <a:rPr lang="it-IT" b="0" dirty="0">
                 <a:solidFill>
-                  <a:srgbClr val="9CDCFE"/>
-                </a:solidFill>
-                <a:effectLst/>
-                <a:highlight>
-                  <a:srgbClr val="1F1F1F"/>
-                </a:highlight>
-                <a:latin typeface="Consolas" panose="020B0609020204030204" pitchFamily="49" charset="0"/>
-              </a:rPr>
-              <a:t>SamplingFactor</a:t>
-            </a:r>
-            <a:r>
-              <a:rPr lang="it-IT" b="0" dirty="0">
-                <a:solidFill>
-                  <a:srgbClr val="CCCCCC"/>
-                </a:solidFill>
-                <a:effectLst/>
-                <a:highlight>
-                  <a:srgbClr val="1F1F1F"/>
-                </a:highlight>
-                <a:latin typeface="Consolas" panose="020B0609020204030204" pitchFamily="49" charset="0"/>
-              </a:rPr>
-              <a:t> </a:t>
-            </a:r>
-            <a:r>
-              <a:rPr lang="it-IT" b="0" dirty="0">
-                <a:solidFill>
-                  <a:srgbClr val="D4D4D4"/>
-                </a:solidFill>
-                <a:effectLst/>
-                <a:highlight>
-                  <a:srgbClr val="1F1F1F"/>
-                </a:highlight>
-                <a:latin typeface="Consolas" panose="020B0609020204030204" pitchFamily="49" charset="0"/>
-              </a:rPr>
-              <a:t>=</a:t>
-            </a:r>
-            <a:r>
-              <a:rPr lang="it-IT" b="0" dirty="0">
-                <a:solidFill>
-                  <a:srgbClr val="CCCCCC"/>
-                </a:solidFill>
-                <a:effectLst/>
-                <a:highlight>
-                  <a:srgbClr val="1F1F1F"/>
-                </a:highlight>
-                <a:latin typeface="Consolas" panose="020B0609020204030204" pitchFamily="49" charset="0"/>
-              </a:rPr>
-              <a:t> </a:t>
-            </a:r>
-            <a:r>
-              <a:rPr lang="it-IT" b="0" dirty="0">
-                <a:solidFill>
-                  <a:srgbClr val="B5CEA8"/>
-                </a:solidFill>
-                <a:effectLst/>
-                <a:highlight>
-                  <a:srgbClr val="1F1F1F"/>
-                </a:highlight>
-                <a:latin typeface="Consolas" panose="020B0609020204030204" pitchFamily="49" charset="0"/>
-              </a:rPr>
-              <a:t>100</a:t>
+                  <a:srgbClr val="6A9955"/>
+                </a:solidFill>
+                <a:effectLst/>
+                <a:highlight>
+                  <a:srgbClr val="1F1F1F"/>
+                </a:highlight>
+                <a:latin typeface="Consolas" panose="020B0609020204030204" pitchFamily="49" charset="0"/>
+              </a:rPr>
+              <a:t>#Path to dataset to Sample</a:t>
             </a:r>
             <a:endParaRPr lang="it-IT" b="0" dirty="0">
               <a:solidFill>
@@ -9501,15 +9573,93 @@
             <a:r>
               <a:rPr lang="it-IT" b="0" dirty="0">
                 <a:solidFill>
-                  <a:srgbClr val="6A9955"/>
-                </a:solidFill>
-                <a:effectLst/>
-                <a:highlight>
-                  <a:srgbClr val="1F1F1F"/>
-                </a:highlight>
-                <a:latin typeface="Consolas" panose="020B0609020204030204" pitchFamily="49" charset="0"/>
-              </a:rPr>
-              <a:t>#Path to dataset to Sample</a:t>
+                  <a:srgbClr val="9CDCFE"/>
+                </a:solidFill>
+                <a:effectLst/>
+                <a:highlight>
+                  <a:srgbClr val="1F1F1F"/>
+                </a:highlight>
+                <a:latin typeface="Consolas" panose="020B0609020204030204" pitchFamily="49" charset="0"/>
+              </a:rPr>
+              <a:t>Path_To_Dataset</a:t>
+            </a:r>
+            <a:r>
+              <a:rPr lang="it-IT" b="0" dirty="0">
+                <a:solidFill>
+                  <a:srgbClr val="CCCCCC"/>
+                </a:solidFill>
+                <a:effectLst/>
+                <a:highlight>
+                  <a:srgbClr val="1F1F1F"/>
+                </a:highlight>
+                <a:latin typeface="Consolas" panose="020B0609020204030204" pitchFamily="49" charset="0"/>
+              </a:rPr>
+              <a:t> </a:t>
+            </a:r>
+            <a:r>
+              <a:rPr lang="it-IT" b="0" dirty="0">
+                <a:solidFill>
+                  <a:srgbClr val="D4D4D4"/>
+                </a:solidFill>
+                <a:effectLst/>
+                <a:highlight>
+                  <a:srgbClr val="1F1F1F"/>
+                </a:highlight>
+                <a:latin typeface="Consolas" panose="020B0609020204030204" pitchFamily="49" charset="0"/>
+              </a:rPr>
+              <a:t>=</a:t>
+            </a:r>
+            <a:r>
+              <a:rPr lang="it-IT" b="0" dirty="0">
+                <a:solidFill>
+                  <a:srgbClr val="CCCCCC"/>
+                </a:solidFill>
+                <a:effectLst/>
+                <a:highlight>
+                  <a:srgbClr val="1F1F1F"/>
+                </a:highlight>
+                <a:latin typeface="Consolas" panose="020B0609020204030204" pitchFamily="49" charset="0"/>
+              </a:rPr>
+              <a:t> </a:t>
+            </a:r>
+            <a:r>
+              <a:rPr lang="it-IT" b="0" dirty="0">
+                <a:solidFill>
+                  <a:srgbClr val="CE9178"/>
+                </a:solidFill>
+                <a:effectLst/>
+                <a:highlight>
+                  <a:srgbClr val="1F1F1F"/>
+                </a:highlight>
+                <a:latin typeface="Consolas" panose="020B0609020204030204" pitchFamily="49" charset="0"/>
+              </a:rPr>
+              <a:t>'Dataset</a:t>
+            </a:r>
+            <a:r>
+              <a:rPr lang="it-IT" b="0" dirty="0">
+                <a:solidFill>
+                  <a:srgbClr val="D7BA7D"/>
+                </a:solidFill>
+                <a:effectLst/>
+                <a:highlight>
+                  <a:srgbClr val="1F1F1F"/>
+                </a:highlight>
+                <a:latin typeface="Consolas" panose="020B0609020204030204" pitchFamily="49" charset="0"/>
+              </a:rPr>
+              <a:t>\\</a:t>
+            </a:r>
+            <a:r>
+              <a:rPr lang="it-IT" b="0" dirty="0">
+                <a:solidFill>
+                  <a:srgbClr val="CE9178"/>
+                </a:solidFill>
+                <a:effectLst/>
+                <a:highlight>
+                  <a:srgbClr val="1F1F1F"/>
+                </a:highlight>
+                <a:latin typeface="Consolas" panose="020B0609020204030204" pitchFamily="49" charset="0"/>
+              </a:rPr>
+              <a:t>US_Accidents.csv'</a:t>
             </a:r>
             <a:endParaRPr lang="it-IT" b="0" dirty="0">
               <a:solidFill>
@@ -9529,93 +9679,15 @@
             <a:r>
               <a:rPr lang="it-IT" b="0" dirty="0">
                 <a:solidFill>
-                  <a:srgbClr val="9CDCFE"/>
-                </a:solidFill>
-                <a:effectLst/>
-                <a:highlight>
-                  <a:srgbClr val="1F1F1F"/>
-                </a:highlight>
-                <a:latin typeface="Consolas" panose="020B0609020204030204" pitchFamily="49" charset="0"/>
-              </a:rPr>
-              <a:t>Path_To_Dataset</a:t>
-            </a:r>
-            <a:r>
-              <a:rPr lang="it-IT" b="0" dirty="0">
-                <a:solidFill>
-                  <a:srgbClr val="CCCCCC"/>
-                </a:solidFill>
-                <a:effectLst/>
-                <a:highlight>
-                  <a:srgbClr val="1F1F1F"/>
-                </a:highlight>
-                <a:latin typeface="Consolas" panose="020B0609020204030204" pitchFamily="49" charset="0"/>
-              </a:rPr>
-              <a:t> </a:t>
-            </a:r>
-            <a:r>
-              <a:rPr lang="it-IT" b="0" dirty="0">
-                <a:solidFill>
-                  <a:srgbClr val="D4D4D4"/>
-                </a:solidFill>
-                <a:effectLst/>
-                <a:highlight>
-                  <a:srgbClr val="1F1F1F"/>
-                </a:highlight>
-                <a:latin typeface="Consolas" panose="020B0609020204030204" pitchFamily="49" charset="0"/>
-              </a:rPr>
-              <a:t>=</a:t>
-            </a:r>
-            <a:r>
-              <a:rPr lang="it-IT" b="0" dirty="0">
-                <a:solidFill>
-                  <a:srgbClr val="CCCCCC"/>
-                </a:solidFill>
-                <a:effectLst/>
-                <a:highlight>
-                  <a:srgbClr val="1F1F1F"/>
-                </a:highlight>
-                <a:latin typeface="Consolas" panose="020B0609020204030204" pitchFamily="49" charset="0"/>
-              </a:rPr>
-              <a:t> </a:t>
-            </a:r>
-            <a:r>
-              <a:rPr lang="it-IT" b="0" dirty="0">
-                <a:solidFill>
-                  <a:srgbClr val="CE9178"/>
-                </a:solidFill>
-                <a:effectLst/>
-                <a:highlight>
-                  <a:srgbClr val="1F1F1F"/>
-                </a:highlight>
-                <a:latin typeface="Consolas" panose="020B0609020204030204" pitchFamily="49" charset="0"/>
-              </a:rPr>
-              <a:t>'Dataset</a:t>
-            </a:r>
-            <a:r>
-              <a:rPr lang="it-IT" b="0" dirty="0">
-                <a:solidFill>
-                  <a:srgbClr val="D7BA7D"/>
-                </a:solidFill>
-                <a:effectLst/>
-                <a:highlight>
-                  <a:srgbClr val="1F1F1F"/>
-                </a:highlight>
-                <a:latin typeface="Consolas" panose="020B0609020204030204" pitchFamily="49" charset="0"/>
-              </a:rPr>
-              <a:t>\\</a:t>
-            </a:r>
-            <a:r>
-              <a:rPr lang="it-IT" b="0" dirty="0">
-                <a:solidFill>
-                  <a:srgbClr val="CE9178"/>
-                </a:solidFill>
-                <a:effectLst/>
-                <a:highlight>
-                  <a:srgbClr val="1F1F1F"/>
-                </a:highlight>
-                <a:latin typeface="Consolas" panose="020B0609020204030204" pitchFamily="49" charset="0"/>
-              </a:rPr>
-              <a:t>US_Accidents.csv'</a:t>
+                  <a:srgbClr val="6A9955"/>
+                </a:solidFill>
+                <a:effectLst/>
+                <a:highlight>
+                  <a:srgbClr val="1F1F1F"/>
+                </a:highlight>
+                <a:latin typeface="Consolas" panose="020B0609020204030204" pitchFamily="49" charset="0"/>
+              </a:rPr>
+              <a:t># load dataset</a:t>
             </a:r>
             <a:endParaRPr lang="it-IT" b="0" dirty="0">
               <a:solidFill>
@@ -9635,6 +9707,141 @@
             <a:r>
               <a:rPr lang="it-IT" b="0" dirty="0">
                 <a:solidFill>
+                  <a:srgbClr val="9CDCFE"/>
+                </a:solidFill>
+                <a:effectLst/>
+                <a:highlight>
+                  <a:srgbClr val="1F1F1F"/>
+                </a:highlight>
+                <a:latin typeface="Consolas" panose="020B0609020204030204" pitchFamily="49" charset="0"/>
+              </a:rPr>
+              <a:t>df</a:t>
+            </a:r>
+            <a:r>
+              <a:rPr lang="it-IT" b="0" dirty="0">
+                <a:solidFill>
+                  <a:srgbClr val="CCCCCC"/>
+                </a:solidFill>
+                <a:effectLst/>
+                <a:highlight>
+                  <a:srgbClr val="1F1F1F"/>
+                </a:highlight>
+                <a:latin typeface="Consolas" panose="020B0609020204030204" pitchFamily="49" charset="0"/>
+              </a:rPr>
+              <a:t> </a:t>
+            </a:r>
+            <a:r>
+              <a:rPr lang="it-IT" b="0" dirty="0">
+                <a:solidFill>
+                  <a:srgbClr val="D4D4D4"/>
+                </a:solidFill>
+                <a:effectLst/>
+                <a:highlight>
+                  <a:srgbClr val="1F1F1F"/>
+                </a:highlight>
+                <a:latin typeface="Consolas" panose="020B0609020204030204" pitchFamily="49" charset="0"/>
+              </a:rPr>
+              <a:t>=</a:t>
+            </a:r>
+            <a:r>
+              <a:rPr lang="it-IT" b="0" dirty="0">
+                <a:solidFill>
+                  <a:srgbClr val="CCCCCC"/>
+                </a:solidFill>
+                <a:effectLst/>
+                <a:highlight>
+                  <a:srgbClr val="1F1F1F"/>
+                </a:highlight>
+                <a:latin typeface="Consolas" panose="020B0609020204030204" pitchFamily="49" charset="0"/>
+              </a:rPr>
+              <a:t> </a:t>
+            </a:r>
+            <a:r>
+              <a:rPr lang="it-IT" b="0" dirty="0">
+                <a:solidFill>
+                  <a:srgbClr val="4EC9B0"/>
+                </a:solidFill>
+                <a:effectLst/>
+                <a:highlight>
+                  <a:srgbClr val="1F1F1F"/>
+                </a:highlight>
+                <a:latin typeface="Consolas" panose="020B0609020204030204" pitchFamily="49" charset="0"/>
+              </a:rPr>
+              <a:t>pd</a:t>
+            </a:r>
+            <a:r>
+              <a:rPr lang="it-IT" b="0" dirty="0">
+                <a:solidFill>
+                  <a:srgbClr val="CCCCCC"/>
+                </a:solidFill>
+                <a:effectLst/>
+                <a:highlight>
+                  <a:srgbClr val="1F1F1F"/>
+                </a:highlight>
+                <a:latin typeface="Consolas" panose="020B0609020204030204" pitchFamily="49" charset="0"/>
+              </a:rPr>
+              <a:t>.</a:t>
+            </a:r>
+            <a:r>
+              <a:rPr lang="it-IT" b="0" dirty="0">
+                <a:solidFill>
+                  <a:srgbClr val="DCDCAA"/>
+                </a:solidFill>
+                <a:effectLst/>
+                <a:highlight>
+                  <a:srgbClr val="1F1F1F"/>
+                </a:highlight>
+                <a:latin typeface="Consolas" panose="020B0609020204030204" pitchFamily="49" charset="0"/>
+              </a:rPr>
+              <a:t>read_csv</a:t>
+            </a:r>
+            <a:r>
+              <a:rPr lang="it-IT" b="0" dirty="0">
+                <a:solidFill>
+                  <a:srgbClr val="CCCCCC"/>
+                </a:solidFill>
+                <a:effectLst/>
+                <a:highlight>
+                  <a:srgbClr val="1F1F1F"/>
+                </a:highlight>
+                <a:latin typeface="Consolas" panose="020B0609020204030204" pitchFamily="49" charset="0"/>
+              </a:rPr>
+              <a:t>(</a:t>
+            </a:r>
+            <a:r>
+              <a:rPr lang="it-IT" b="0" dirty="0">
+                <a:solidFill>
+                  <a:srgbClr val="9CDCFE"/>
+                </a:solidFill>
+                <a:effectLst/>
+                <a:highlight>
+                  <a:srgbClr val="1F1F1F"/>
+                </a:highlight>
+                <a:latin typeface="Consolas" panose="020B0609020204030204" pitchFamily="49" charset="0"/>
+              </a:rPr>
+              <a:t>Path_To_Dataset</a:t>
+            </a:r>
+            <a:r>
+              <a:rPr lang="it-IT" b="0" dirty="0">
+                <a:solidFill>
+                  <a:srgbClr val="CCCCCC"/>
+                </a:solidFill>
+                <a:effectLst/>
+                <a:highlight>
+                  <a:srgbClr val="1F1F1F"/>
+                </a:highlight>
+                <a:latin typeface="Consolas" panose="020B0609020204030204" pitchFamily="49" charset="0"/>
+              </a:rPr>
+              <a:t>)</a:t>
+            </a:r>
+          </a:p>
+          <a:p>
+            <a:pPr marL="0" indent="0">
+              <a:buNone/>
+            </a:pPr>
+            <a:r>
+              <a:rPr lang="it-IT" b="0" dirty="0">
+                <a:solidFill>
                   <a:srgbClr val="6A9955"/>
                 </a:solidFill>
                 <a:effectLst/>
@@ -9643,7 +9850,7 @@
                 </a:highlight>
                 <a:latin typeface="Consolas" panose="020B0609020204030204" pitchFamily="49" charset="0"/>
               </a:rPr>
-              <a:t># load dataset</a:t>
+              <a:t># sample the dataset</a:t>
             </a:r>
             <a:endParaRPr lang="it-IT" b="0" dirty="0">
               <a:solidFill>
@@ -9661,7 +9868,7 @@
               <a:buNone/>
             </a:pPr>
             <a:r>
-              <a:rPr lang="it-IT" b="0" dirty="0">
+              <a:rPr lang="en-US" b="0" dirty="0">
                 <a:solidFill>
                   <a:srgbClr val="9CDCFE"/>
                 </a:solidFill>
@@ -9671,9 +9878,609 @@
                 </a:highlight>
                 <a:latin typeface="Consolas" panose="020B0609020204030204" pitchFamily="49" charset="0"/>
               </a:rPr>
+              <a:t>name</a:t>
+            </a:r>
+            <a:r>
+              <a:rPr lang="en-US" b="0" dirty="0">
+                <a:solidFill>
+                  <a:srgbClr val="CCCCCC"/>
+                </a:solidFill>
+                <a:effectLst/>
+                <a:highlight>
+                  <a:srgbClr val="1F1F1F"/>
+                </a:highlight>
+                <a:latin typeface="Consolas" panose="020B0609020204030204" pitchFamily="49" charset="0"/>
+              </a:rPr>
+              <a:t> </a:t>
+            </a:r>
+            <a:r>
+              <a:rPr lang="en-US" b="0" dirty="0">
+                <a:solidFill>
+                  <a:srgbClr val="D4D4D4"/>
+                </a:solidFill>
+                <a:effectLst/>
+                <a:highlight>
+                  <a:srgbClr val="1F1F1F"/>
+                </a:highlight>
+                <a:latin typeface="Consolas" panose="020B0609020204030204" pitchFamily="49" charset="0"/>
+              </a:rPr>
+              <a:t>=</a:t>
+            </a:r>
+            <a:r>
+              <a:rPr lang="en-US" b="0" dirty="0">
+                <a:solidFill>
+                  <a:srgbClr val="CCCCCC"/>
+                </a:solidFill>
+                <a:effectLst/>
+                <a:highlight>
+                  <a:srgbClr val="1F1F1F"/>
+                </a:highlight>
+                <a:latin typeface="Consolas" panose="020B0609020204030204" pitchFamily="49" charset="0"/>
+              </a:rPr>
+              <a:t> (</a:t>
+            </a:r>
+            <a:r>
+              <a:rPr lang="en-US" b="0" dirty="0" err="1">
+                <a:solidFill>
+                  <a:srgbClr val="9CDCFE"/>
+                </a:solidFill>
+                <a:effectLst/>
+                <a:highlight>
+                  <a:srgbClr val="1F1F1F"/>
+                </a:highlight>
+                <a:latin typeface="Consolas" panose="020B0609020204030204" pitchFamily="49" charset="0"/>
+              </a:rPr>
+              <a:t>Path_To_Dataset</a:t>
+            </a:r>
+            <a:r>
+              <a:rPr lang="en-US" b="0" dirty="0" err="1">
+                <a:solidFill>
+                  <a:srgbClr val="CCCCCC"/>
+                </a:solidFill>
+                <a:effectLst/>
+                <a:highlight>
+                  <a:srgbClr val="1F1F1F"/>
+                </a:highlight>
+                <a:latin typeface="Consolas" panose="020B0609020204030204" pitchFamily="49" charset="0"/>
+              </a:rPr>
+              <a:t>.</a:t>
+            </a:r>
+            <a:r>
+              <a:rPr lang="en-US" b="0" dirty="0" err="1">
+                <a:solidFill>
+                  <a:srgbClr val="DCDCAA"/>
+                </a:solidFill>
+                <a:effectLst/>
+                <a:highlight>
+                  <a:srgbClr val="1F1F1F"/>
+                </a:highlight>
+                <a:latin typeface="Consolas" panose="020B0609020204030204" pitchFamily="49" charset="0"/>
+              </a:rPr>
+              <a:t>split</a:t>
+            </a:r>
+            <a:r>
+              <a:rPr lang="en-US" b="0" dirty="0">
+                <a:solidFill>
+                  <a:srgbClr val="CCCCCC"/>
+                </a:solidFill>
+                <a:effectLst/>
+                <a:highlight>
+                  <a:srgbClr val="1F1F1F"/>
+                </a:highlight>
+                <a:latin typeface="Consolas" panose="020B0609020204030204" pitchFamily="49" charset="0"/>
+              </a:rPr>
+              <a:t>(</a:t>
+            </a:r>
+            <a:r>
+              <a:rPr lang="en-US" b="0" dirty="0">
+                <a:solidFill>
+                  <a:srgbClr val="CE9178"/>
+                </a:solidFill>
+                <a:effectLst/>
+                <a:highlight>
+                  <a:srgbClr val="1F1F1F"/>
+                </a:highlight>
+                <a:latin typeface="Consolas" panose="020B0609020204030204" pitchFamily="49" charset="0"/>
+              </a:rPr>
+              <a:t>'.'</a:t>
+            </a:r>
+            <a:r>
+              <a:rPr lang="en-US" b="0" dirty="0">
+                <a:solidFill>
+                  <a:srgbClr val="CCCCCC"/>
+                </a:solidFill>
+                <a:effectLst/>
+                <a:highlight>
+                  <a:srgbClr val="1F1F1F"/>
+                </a:highlight>
+                <a:latin typeface="Consolas" panose="020B0609020204030204" pitchFamily="49" charset="0"/>
+              </a:rPr>
+              <a:t>))[</a:t>
+            </a:r>
+            <a:r>
+              <a:rPr lang="en-US" b="0" dirty="0">
+                <a:solidFill>
+                  <a:srgbClr val="B5CEA8"/>
+                </a:solidFill>
+                <a:effectLst/>
+                <a:highlight>
+                  <a:srgbClr val="1F1F1F"/>
+                </a:highlight>
+                <a:latin typeface="Consolas" panose="020B0609020204030204" pitchFamily="49" charset="0"/>
+              </a:rPr>
+              <a:t>0</a:t>
+            </a:r>
+            <a:r>
+              <a:rPr lang="en-US" b="0" dirty="0">
+                <a:solidFill>
+                  <a:srgbClr val="CCCCCC"/>
+                </a:solidFill>
+                <a:effectLst/>
+                <a:highlight>
+                  <a:srgbClr val="1F1F1F"/>
+                </a:highlight>
+                <a:latin typeface="Consolas" panose="020B0609020204030204" pitchFamily="49" charset="0"/>
+              </a:rPr>
+              <a:t>]</a:t>
+            </a:r>
+          </a:p>
+          <a:p>
+            <a:pPr marL="0" indent="0">
+              <a:buNone/>
+            </a:pPr>
+            <a:r>
+              <a:rPr lang="en-US" b="0" dirty="0">
+                <a:solidFill>
+                  <a:srgbClr val="9CDCFE"/>
+                </a:solidFill>
+                <a:effectLst/>
+                <a:highlight>
+                  <a:srgbClr val="1F1F1F"/>
+                </a:highlight>
+                <a:latin typeface="Consolas" panose="020B0609020204030204" pitchFamily="49" charset="0"/>
+              </a:rPr>
+              <a:t>name</a:t>
+            </a:r>
+            <a:r>
+              <a:rPr lang="en-US" b="0" dirty="0">
+                <a:solidFill>
+                  <a:srgbClr val="CCCCCC"/>
+                </a:solidFill>
+                <a:effectLst/>
+                <a:highlight>
+                  <a:srgbClr val="1F1F1F"/>
+                </a:highlight>
+                <a:latin typeface="Consolas" panose="020B0609020204030204" pitchFamily="49" charset="0"/>
+              </a:rPr>
+              <a:t> </a:t>
+            </a:r>
+            <a:r>
+              <a:rPr lang="en-US" b="0" dirty="0">
+                <a:solidFill>
+                  <a:srgbClr val="D4D4D4"/>
+                </a:solidFill>
+                <a:effectLst/>
+                <a:highlight>
+                  <a:srgbClr val="1F1F1F"/>
+                </a:highlight>
+                <a:latin typeface="Consolas" panose="020B0609020204030204" pitchFamily="49" charset="0"/>
+              </a:rPr>
+              <a:t>=</a:t>
+            </a:r>
+            <a:r>
+              <a:rPr lang="en-US" b="0" dirty="0">
+                <a:solidFill>
+                  <a:srgbClr val="CCCCCC"/>
+                </a:solidFill>
+                <a:effectLst/>
+                <a:highlight>
+                  <a:srgbClr val="1F1F1F"/>
+                </a:highlight>
+                <a:latin typeface="Consolas" panose="020B0609020204030204" pitchFamily="49" charset="0"/>
+              </a:rPr>
+              <a:t> </a:t>
+            </a:r>
+            <a:r>
+              <a:rPr lang="en-US" b="0" dirty="0">
+                <a:solidFill>
+                  <a:srgbClr val="4EC9B0"/>
+                </a:solidFill>
+                <a:effectLst/>
+                <a:highlight>
+                  <a:srgbClr val="1F1F1F"/>
+                </a:highlight>
+                <a:latin typeface="Consolas" panose="020B0609020204030204" pitchFamily="49" charset="0"/>
+              </a:rPr>
+              <a:t>str</a:t>
+            </a:r>
+            <a:r>
+              <a:rPr lang="en-US" b="0" dirty="0">
+                <a:solidFill>
+                  <a:srgbClr val="CCCCCC"/>
+                </a:solidFill>
+                <a:effectLst/>
+                <a:highlight>
+                  <a:srgbClr val="1F1F1F"/>
+                </a:highlight>
+                <a:latin typeface="Consolas" panose="020B0609020204030204" pitchFamily="49" charset="0"/>
+              </a:rPr>
+              <a:t>(</a:t>
+            </a:r>
+            <a:r>
+              <a:rPr lang="en-US" b="0" dirty="0">
+                <a:solidFill>
+                  <a:srgbClr val="9CDCFE"/>
+                </a:solidFill>
+                <a:effectLst/>
+                <a:highlight>
+                  <a:srgbClr val="1F1F1F"/>
+                </a:highlight>
+                <a:latin typeface="Consolas" panose="020B0609020204030204" pitchFamily="49" charset="0"/>
+              </a:rPr>
+              <a:t>name</a:t>
+            </a:r>
+            <a:r>
+              <a:rPr lang="en-US" b="0" dirty="0">
+                <a:solidFill>
+                  <a:srgbClr val="CCCCCC"/>
+                </a:solidFill>
+                <a:effectLst/>
+                <a:highlight>
+                  <a:srgbClr val="1F1F1F"/>
+                </a:highlight>
+                <a:latin typeface="Consolas" panose="020B0609020204030204" pitchFamily="49" charset="0"/>
+              </a:rPr>
+              <a:t> </a:t>
+            </a:r>
+            <a:r>
+              <a:rPr lang="en-US" b="0" dirty="0">
+                <a:solidFill>
+                  <a:srgbClr val="D4D4D4"/>
+                </a:solidFill>
+                <a:effectLst/>
+                <a:highlight>
+                  <a:srgbClr val="1F1F1F"/>
+                </a:highlight>
+                <a:latin typeface="Consolas" panose="020B0609020204030204" pitchFamily="49" charset="0"/>
+              </a:rPr>
+              <a:t>+</a:t>
+            </a:r>
+            <a:r>
+              <a:rPr lang="en-US" b="0" dirty="0">
+                <a:solidFill>
+                  <a:srgbClr val="CCCCCC"/>
+                </a:solidFill>
+                <a:effectLst/>
+                <a:highlight>
+                  <a:srgbClr val="1F1F1F"/>
+                </a:highlight>
+                <a:latin typeface="Consolas" panose="020B0609020204030204" pitchFamily="49" charset="0"/>
+              </a:rPr>
+              <a:t> </a:t>
+            </a:r>
+            <a:r>
+              <a:rPr lang="en-US" b="0" dirty="0">
+                <a:solidFill>
+                  <a:srgbClr val="CE9178"/>
+                </a:solidFill>
+                <a:effectLst/>
+                <a:highlight>
+                  <a:srgbClr val="1F1F1F"/>
+                </a:highlight>
+                <a:latin typeface="Consolas" panose="020B0609020204030204" pitchFamily="49" charset="0"/>
+              </a:rPr>
+              <a:t>'_Sampled.csv'</a:t>
+            </a:r>
+            <a:r>
+              <a:rPr lang="en-US" b="0" dirty="0">
+                <a:solidFill>
+                  <a:srgbClr val="CCCCCC"/>
+                </a:solidFill>
+                <a:effectLst/>
+                <a:highlight>
+                  <a:srgbClr val="1F1F1F"/>
+                </a:highlight>
+                <a:latin typeface="Consolas" panose="020B0609020204030204" pitchFamily="49" charset="0"/>
+              </a:rPr>
+              <a:t>)</a:t>
+            </a:r>
+          </a:p>
+          <a:p>
+            <a:pPr marL="0" indent="0">
+              <a:buNone/>
+            </a:pPr>
+            <a:r>
+              <a:rPr lang="en-US" b="0" dirty="0" err="1">
+                <a:solidFill>
+                  <a:srgbClr val="9CDCFE"/>
+                </a:solidFill>
+                <a:effectLst/>
+                <a:highlight>
+                  <a:srgbClr val="1F1F1F"/>
+                </a:highlight>
+                <a:latin typeface="Consolas" panose="020B0609020204030204" pitchFamily="49" charset="0"/>
+              </a:rPr>
+              <a:t>number_of_samples</a:t>
+            </a:r>
+            <a:r>
+              <a:rPr lang="en-US" b="0" dirty="0">
+                <a:solidFill>
+                  <a:srgbClr val="CCCCCC"/>
+                </a:solidFill>
+                <a:effectLst/>
+                <a:highlight>
+                  <a:srgbClr val="1F1F1F"/>
+                </a:highlight>
+                <a:latin typeface="Consolas" panose="020B0609020204030204" pitchFamily="49" charset="0"/>
+              </a:rPr>
+              <a:t> </a:t>
+            </a:r>
+            <a:r>
+              <a:rPr lang="en-US" b="0" dirty="0">
+                <a:solidFill>
+                  <a:srgbClr val="D4D4D4"/>
+                </a:solidFill>
+                <a:effectLst/>
+                <a:highlight>
+                  <a:srgbClr val="1F1F1F"/>
+                </a:highlight>
+                <a:latin typeface="Consolas" panose="020B0609020204030204" pitchFamily="49" charset="0"/>
+              </a:rPr>
+              <a:t>=</a:t>
+            </a:r>
+            <a:r>
+              <a:rPr lang="en-US" b="0" dirty="0">
+                <a:solidFill>
+                  <a:srgbClr val="CCCCCC"/>
+                </a:solidFill>
+                <a:effectLst/>
+                <a:highlight>
+                  <a:srgbClr val="1F1F1F"/>
+                </a:highlight>
+                <a:latin typeface="Consolas" panose="020B0609020204030204" pitchFamily="49" charset="0"/>
+              </a:rPr>
+              <a:t> </a:t>
+            </a:r>
+            <a:r>
+              <a:rPr lang="en-US" b="0" dirty="0">
+                <a:solidFill>
+                  <a:srgbClr val="DCDCAA"/>
+                </a:solidFill>
+                <a:effectLst/>
+                <a:highlight>
+                  <a:srgbClr val="1F1F1F"/>
+                </a:highlight>
+                <a:latin typeface="Consolas" panose="020B0609020204030204" pitchFamily="49" charset="0"/>
+              </a:rPr>
+              <a:t>max</a:t>
+            </a:r>
+            <a:r>
+              <a:rPr lang="en-US" b="0" dirty="0">
+                <a:solidFill>
+                  <a:srgbClr val="CCCCCC"/>
+                </a:solidFill>
+                <a:effectLst/>
+                <a:highlight>
+                  <a:srgbClr val="1F1F1F"/>
+                </a:highlight>
+                <a:latin typeface="Consolas" panose="020B0609020204030204" pitchFamily="49" charset="0"/>
+              </a:rPr>
+              <a:t>(</a:t>
+            </a:r>
+            <a:r>
+              <a:rPr lang="en-US" b="0" dirty="0" err="1">
+                <a:solidFill>
+                  <a:srgbClr val="4EC9B0"/>
+                </a:solidFill>
+                <a:effectLst/>
+                <a:highlight>
+                  <a:srgbClr val="1F1F1F"/>
+                </a:highlight>
+                <a:latin typeface="Consolas" panose="020B0609020204030204" pitchFamily="49" charset="0"/>
+              </a:rPr>
+              <a:t>math</a:t>
+            </a:r>
+            <a:r>
+              <a:rPr lang="en-US" b="0" dirty="0" err="1">
+                <a:solidFill>
+                  <a:srgbClr val="CCCCCC"/>
+                </a:solidFill>
+                <a:effectLst/>
+                <a:highlight>
+                  <a:srgbClr val="1F1F1F"/>
+                </a:highlight>
+                <a:latin typeface="Consolas" panose="020B0609020204030204" pitchFamily="49" charset="0"/>
+              </a:rPr>
+              <a:t>.</a:t>
+            </a:r>
+            <a:r>
+              <a:rPr lang="en-US" b="0" dirty="0" err="1">
+                <a:solidFill>
+                  <a:srgbClr val="DCDCAA"/>
+                </a:solidFill>
+                <a:effectLst/>
+                <a:highlight>
+                  <a:srgbClr val="1F1F1F"/>
+                </a:highlight>
+                <a:latin typeface="Consolas" panose="020B0609020204030204" pitchFamily="49" charset="0"/>
+              </a:rPr>
+              <a:t>floor</a:t>
+            </a:r>
+            <a:r>
+              <a:rPr lang="en-US" b="0" dirty="0">
+                <a:solidFill>
+                  <a:srgbClr val="CCCCCC"/>
+                </a:solidFill>
+                <a:effectLst/>
+                <a:highlight>
+                  <a:srgbClr val="1F1F1F"/>
+                </a:highlight>
+                <a:latin typeface="Consolas" panose="020B0609020204030204" pitchFamily="49" charset="0"/>
+              </a:rPr>
+              <a:t>(((</a:t>
+            </a:r>
+            <a:r>
+              <a:rPr lang="en-US" b="0" dirty="0" err="1">
+                <a:solidFill>
+                  <a:srgbClr val="9CDCFE"/>
+                </a:solidFill>
+                <a:effectLst/>
+                <a:highlight>
+                  <a:srgbClr val="1F1F1F"/>
+                </a:highlight>
+                <a:latin typeface="Consolas" panose="020B0609020204030204" pitchFamily="49" charset="0"/>
+              </a:rPr>
               <a:t>df</a:t>
             </a:r>
             <a:r>
+              <a:rPr lang="en-US" b="0" dirty="0" err="1">
+                <a:solidFill>
+                  <a:srgbClr val="CCCCCC"/>
+                </a:solidFill>
+                <a:effectLst/>
+                <a:highlight>
+                  <a:srgbClr val="1F1F1F"/>
+                </a:highlight>
+                <a:latin typeface="Consolas" panose="020B0609020204030204" pitchFamily="49" charset="0"/>
+              </a:rPr>
+              <a:t>.</a:t>
+            </a:r>
+            <a:r>
+              <a:rPr lang="en-US" b="0" dirty="0" err="1">
+                <a:solidFill>
+                  <a:srgbClr val="9CDCFE"/>
+                </a:solidFill>
+                <a:effectLst/>
+                <a:highlight>
+                  <a:srgbClr val="1F1F1F"/>
+                </a:highlight>
+                <a:latin typeface="Consolas" panose="020B0609020204030204" pitchFamily="49" charset="0"/>
+              </a:rPr>
+              <a:t>shape</a:t>
+            </a:r>
+            <a:r>
+              <a:rPr lang="en-US" b="0" dirty="0">
+                <a:solidFill>
+                  <a:srgbClr val="CCCCCC"/>
+                </a:solidFill>
+                <a:effectLst/>
+                <a:highlight>
+                  <a:srgbClr val="1F1F1F"/>
+                </a:highlight>
+                <a:latin typeface="Consolas" panose="020B0609020204030204" pitchFamily="49" charset="0"/>
+              </a:rPr>
+              <a:t>)[</a:t>
+            </a:r>
+            <a:r>
+              <a:rPr lang="en-US" b="0" dirty="0">
+                <a:solidFill>
+                  <a:srgbClr val="B5CEA8"/>
+                </a:solidFill>
+                <a:effectLst/>
+                <a:highlight>
+                  <a:srgbClr val="1F1F1F"/>
+                </a:highlight>
+                <a:latin typeface="Consolas" panose="020B0609020204030204" pitchFamily="49" charset="0"/>
+              </a:rPr>
+              <a:t>0</a:t>
+            </a:r>
+            <a:r>
+              <a:rPr lang="en-US" b="0" dirty="0">
+                <a:solidFill>
+                  <a:srgbClr val="CCCCCC"/>
+                </a:solidFill>
+                <a:effectLst/>
+                <a:highlight>
+                  <a:srgbClr val="1F1F1F"/>
+                </a:highlight>
+                <a:latin typeface="Consolas" panose="020B0609020204030204" pitchFamily="49" charset="0"/>
+              </a:rPr>
+              <a:t>])</a:t>
+            </a:r>
+            <a:r>
+              <a:rPr lang="en-US" b="0" dirty="0">
+                <a:solidFill>
+                  <a:srgbClr val="D4D4D4"/>
+                </a:solidFill>
+                <a:effectLst/>
+                <a:highlight>
+                  <a:srgbClr val="1F1F1F"/>
+                </a:highlight>
+                <a:latin typeface="Consolas" panose="020B0609020204030204" pitchFamily="49" charset="0"/>
+              </a:rPr>
+              <a:t>/</a:t>
+            </a:r>
+            <a:r>
+              <a:rPr lang="en-US" b="0" dirty="0" err="1">
+                <a:solidFill>
+                  <a:srgbClr val="9CDCFE"/>
+                </a:solidFill>
+                <a:effectLst/>
+                <a:highlight>
+                  <a:srgbClr val="1F1F1F"/>
+                </a:highlight>
+                <a:latin typeface="Consolas" panose="020B0609020204030204" pitchFamily="49" charset="0"/>
+              </a:rPr>
+              <a:t>SamplingFactor</a:t>
+            </a:r>
+            <a:r>
+              <a:rPr lang="en-US" b="0" dirty="0">
+                <a:solidFill>
+                  <a:srgbClr val="CCCCCC"/>
+                </a:solidFill>
+                <a:effectLst/>
+                <a:highlight>
+                  <a:srgbClr val="1F1F1F"/>
+                </a:highlight>
+                <a:latin typeface="Consolas" panose="020B0609020204030204" pitchFamily="49" charset="0"/>
+              </a:rPr>
+              <a:t>), </a:t>
+            </a:r>
+            <a:r>
+              <a:rPr lang="en-US" b="0" dirty="0">
+                <a:solidFill>
+                  <a:srgbClr val="B5CEA8"/>
+                </a:solidFill>
+                <a:effectLst/>
+                <a:highlight>
+                  <a:srgbClr val="1F1F1F"/>
+                </a:highlight>
+                <a:latin typeface="Consolas" panose="020B0609020204030204" pitchFamily="49" charset="0"/>
+              </a:rPr>
+              <a:t>1</a:t>
+            </a:r>
+            <a:r>
+              <a:rPr lang="en-US" b="0" dirty="0">
+                <a:solidFill>
+                  <a:srgbClr val="CCCCCC"/>
+                </a:solidFill>
+                <a:effectLst/>
+                <a:highlight>
+                  <a:srgbClr val="1F1F1F"/>
+                </a:highlight>
+                <a:latin typeface="Consolas" panose="020B0609020204030204" pitchFamily="49" charset="0"/>
+              </a:rPr>
+              <a:t>)</a:t>
+            </a:r>
+          </a:p>
+          <a:p>
+            <a:pPr marL="0" indent="0">
+              <a:buNone/>
+            </a:pPr>
+            <a:r>
+              <a:rPr lang="it-IT" b="0" dirty="0">
+                <a:solidFill>
+                  <a:srgbClr val="9CDCFE"/>
+                </a:solidFill>
+                <a:effectLst/>
+                <a:highlight>
+                  <a:srgbClr val="1F1F1F"/>
+                </a:highlight>
+                <a:latin typeface="Consolas" panose="020B0609020204030204" pitchFamily="49" charset="0"/>
+              </a:rPr>
+              <a:t>df</a:t>
+            </a:r>
+            <a:r>
               <a:rPr lang="it-IT" b="0" dirty="0">
                 <a:solidFill>
                   <a:srgbClr val="CCCCCC"/>
@@ -9715,15 +10522,15 @@
             <a:r>
               <a:rPr lang="it-IT" b="0" dirty="0">
                 <a:solidFill>
-                  <a:srgbClr val="4EC9B0"/>
-                </a:solidFill>
-                <a:effectLst/>
-                <a:highlight>
-                  <a:srgbClr val="1F1F1F"/>
-                </a:highlight>
-                <a:latin typeface="Consolas" panose="020B0609020204030204" pitchFamily="49" charset="0"/>
-              </a:rPr>
-              <a:t>pd</a:t>
+                  <a:srgbClr val="9CDCFE"/>
+                </a:solidFill>
+                <a:effectLst/>
+                <a:highlight>
+                  <a:srgbClr val="1F1F1F"/>
+                </a:highlight>
+                <a:latin typeface="Consolas" panose="020B0609020204030204" pitchFamily="49" charset="0"/>
+              </a:rPr>
+              <a:t>df</a:t>
             </a:r>
             <a:r>
               <a:rPr lang="it-IT" b="0" dirty="0">
@@ -9749,7 +10556,7 @@
                 </a:highlight>
                 <a:latin typeface="Consolas" panose="020B0609020204030204" pitchFamily="49" charset="0"/>
               </a:rPr>
-              <a:t>read_csv</a:t>
+              <a:t>sample</a:t>
             </a:r>
             <a:r>
               <a:rPr lang="it-IT" b="0" dirty="0">
@@ -9775,7 +10582,137 @@
                 </a:highlight>
                 <a:latin typeface="Consolas" panose="020B0609020204030204" pitchFamily="49" charset="0"/>
               </a:rPr>
-              <a:t>Path_To_Dataset</a:t>
+              <a:t>n</a:t>
+            </a:r>
+            <a:r>
+              <a:rPr lang="it-IT" b="0" dirty="0">
+                <a:solidFill>
+                  <a:srgbClr val="CCCCCC"/>
+                </a:solidFill>
+                <a:effectLst/>
+                <a:highlight>
+                  <a:srgbClr val="1F1F1F"/>
+                </a:highlight>
+                <a:latin typeface="Consolas" panose="020B0609020204030204" pitchFamily="49" charset="0"/>
+              </a:rPr>
+              <a:t> </a:t>
+            </a:r>
+            <a:r>
+              <a:rPr lang="it-IT" b="0" dirty="0">
+                <a:solidFill>
+                  <a:srgbClr val="D4D4D4"/>
+                </a:solidFill>
+                <a:effectLst/>
+                <a:highlight>
+                  <a:srgbClr val="1F1F1F"/>
+                </a:highlight>
+                <a:latin typeface="Consolas" panose="020B0609020204030204" pitchFamily="49" charset="0"/>
+              </a:rPr>
+              <a:t>=</a:t>
+            </a:r>
+            <a:r>
+              <a:rPr lang="it-IT" b="0" dirty="0">
+                <a:solidFill>
+                  <a:srgbClr val="CCCCCC"/>
+                </a:solidFill>
+                <a:effectLst/>
+                <a:highlight>
+                  <a:srgbClr val="1F1F1F"/>
+                </a:highlight>
+                <a:latin typeface="Consolas" panose="020B0609020204030204" pitchFamily="49" charset="0"/>
+              </a:rPr>
+              <a:t> </a:t>
+            </a:r>
+            <a:r>
+              <a:rPr lang="it-IT" b="0" dirty="0">
+                <a:solidFill>
+                  <a:srgbClr val="9CDCFE"/>
+                </a:solidFill>
+                <a:effectLst/>
+                <a:highlight>
+                  <a:srgbClr val="1F1F1F"/>
+                </a:highlight>
+                <a:latin typeface="Consolas" panose="020B0609020204030204" pitchFamily="49" charset="0"/>
+              </a:rPr>
+              <a:t>number_of_samples</a:t>
+            </a:r>
+            <a:r>
+              <a:rPr lang="it-IT" b="0" dirty="0">
+                <a:solidFill>
+                  <a:srgbClr val="CCCCCC"/>
+                </a:solidFill>
+                <a:effectLst/>
+                <a:highlight>
+                  <a:srgbClr val="1F1F1F"/>
+                </a:highlight>
+                <a:latin typeface="Consolas" panose="020B0609020204030204" pitchFamily="49" charset="0"/>
+              </a:rPr>
+              <a:t>, </a:t>
+            </a:r>
+            <a:r>
+              <a:rPr lang="it-IT" b="0" dirty="0">
+                <a:solidFill>
+                  <a:srgbClr val="9CDCFE"/>
+                </a:solidFill>
+                <a:effectLst/>
+                <a:highlight>
+                  <a:srgbClr val="1F1F1F"/>
+                </a:highlight>
+                <a:latin typeface="Consolas" panose="020B0609020204030204" pitchFamily="49" charset="0"/>
+              </a:rPr>
+              <a:t>random_state</a:t>
+            </a:r>
+            <a:r>
+              <a:rPr lang="it-IT" b="0" dirty="0">
+                <a:solidFill>
+                  <a:srgbClr val="CCCCCC"/>
+                </a:solidFill>
+                <a:effectLst/>
+                <a:highlight>
+                  <a:srgbClr val="1F1F1F"/>
+                </a:highlight>
+                <a:latin typeface="Consolas" panose="020B0609020204030204" pitchFamily="49" charset="0"/>
+              </a:rPr>
+              <a:t> </a:t>
+            </a:r>
+            <a:r>
+              <a:rPr lang="it-IT" b="0" dirty="0">
+                <a:solidFill>
+                  <a:srgbClr val="D4D4D4"/>
+                </a:solidFill>
+                <a:effectLst/>
+                <a:highlight>
+                  <a:srgbClr val="1F1F1F"/>
+                </a:highlight>
+                <a:latin typeface="Consolas" panose="020B0609020204030204" pitchFamily="49" charset="0"/>
+              </a:rPr>
+              <a:t>=</a:t>
+            </a:r>
+            <a:r>
+              <a:rPr lang="it-IT" b="0" dirty="0">
+                <a:solidFill>
+                  <a:srgbClr val="CCCCCC"/>
+                </a:solidFill>
+                <a:effectLst/>
+                <a:highlight>
+                  <a:srgbClr val="1F1F1F"/>
+                </a:highlight>
+                <a:latin typeface="Consolas" panose="020B0609020204030204" pitchFamily="49" charset="0"/>
+              </a:rPr>
+              <a:t> </a:t>
+            </a:r>
+            <a:r>
+              <a:rPr lang="it-IT" b="0" dirty="0">
+                <a:solidFill>
+                  <a:srgbClr val="B5CEA8"/>
+                </a:solidFill>
+                <a:effectLst/>
+                <a:highlight>
+                  <a:srgbClr val="1F1F1F"/>
+                </a:highlight>
+                <a:latin typeface="Consolas" panose="020B0609020204030204" pitchFamily="49" charset="0"/>
+              </a:rPr>
+              <a:t>351</a:t>
             </a:r>
             <a:r>
               <a:rPr lang="it-IT" b="0" dirty="0">
@@ -9806,7 +10743,7 @@
                 </a:highlight>
                 <a:latin typeface="Consolas" panose="020B0609020204030204" pitchFamily="49" charset="0"/>
               </a:rPr>
-              <a:t># sample the dataset</a:t>
+              <a:t># save sampled dataset</a:t>
             </a:r>
             <a:endParaRPr lang="it-IT" b="0" dirty="0">
               <a:solidFill>
@@ -9834,33 +10771,33 @@
                 </a:highlight>
                 <a:latin typeface="Consolas" panose="020B0609020204030204" pitchFamily="49" charset="0"/>
               </a:rPr>
-              <a:t>df_acc_name</a:t>
-            </a:r>
-            <a:r>
-              <a:rPr lang="it-IT" b="0" dirty="0">
-                <a:solidFill>
-                  <a:srgbClr val="D4D4D4"/>
-                </a:solidFill>
-                <a:effectLst/>
-                <a:highlight>
-                  <a:srgbClr val="1F1F1F"/>
-                </a:highlight>
-                <a:latin typeface="Consolas" panose="020B0609020204030204" pitchFamily="49" charset="0"/>
-              </a:rPr>
-              <a:t>=</a:t>
-            </a:r>
-            <a:r>
-              <a:rPr lang="it-IT" b="0" dirty="0">
-                <a:solidFill>
-                  <a:srgbClr val="4EC9B0"/>
-                </a:solidFill>
-                <a:effectLst/>
-                <a:highlight>
-                  <a:srgbClr val="1F1F1F"/>
-                </a:highlight>
-                <a:latin typeface="Consolas" panose="020B0609020204030204" pitchFamily="49" charset="0"/>
-              </a:rPr>
-              <a:t>str</a:t>
+              <a:t>df</a:t>
+            </a:r>
+            <a:r>
+              <a:rPr lang="it-IT" b="0" dirty="0">
+                <a:solidFill>
+                  <a:srgbClr val="CCCCCC"/>
+                </a:solidFill>
+                <a:effectLst/>
+                <a:highlight>
+                  <a:srgbClr val="1F1F1F"/>
+                </a:highlight>
+                <a:latin typeface="Consolas" panose="020B0609020204030204" pitchFamily="49" charset="0"/>
+              </a:rPr>
+              <a:t>.</a:t>
+            </a:r>
+            <a:r>
+              <a:rPr lang="it-IT" b="0" dirty="0">
+                <a:solidFill>
+                  <a:srgbClr val="DCDCAA"/>
+                </a:solidFill>
+                <a:effectLst/>
+                <a:highlight>
+                  <a:srgbClr val="1F1F1F"/>
+                </a:highlight>
+                <a:latin typeface="Consolas" panose="020B0609020204030204" pitchFamily="49" charset="0"/>
+              </a:rPr>
+              <a:t>to_csv</a:t>
             </a:r>
             <a:r>
               <a:rPr lang="it-IT" b="0" dirty="0">
@@ -9886,580 +10823,7 @@
                 </a:highlight>
                 <a:latin typeface="Consolas" panose="020B0609020204030204" pitchFamily="49" charset="0"/>
               </a:rPr>
-              <a:t>Path_To_Dataset</a:t>
-            </a:r>
-            <a:r>
-              <a:rPr lang="it-IT" b="0" dirty="0">
-                <a:solidFill>
-                  <a:srgbClr val="CCCCCC"/>
-                </a:solidFill>
-                <a:effectLst/>
-                <a:highlight>
-                  <a:srgbClr val="1F1F1F"/>
-                </a:highlight>
-                <a:latin typeface="Consolas" panose="020B0609020204030204" pitchFamily="49" charset="0"/>
-              </a:rPr>
-              <a:t> </a:t>
-            </a:r>
-            <a:r>
-              <a:rPr lang="it-IT" b="0" dirty="0">
-                <a:solidFill>
-                  <a:srgbClr val="D4D4D4"/>
-                </a:solidFill>
-                <a:effectLst/>
-                <a:highlight>
-                  <a:srgbClr val="1F1F1F"/>
-                </a:highlight>
-                <a:latin typeface="Consolas" panose="020B0609020204030204" pitchFamily="49" charset="0"/>
-              </a:rPr>
-              <a:t>+</a:t>
-            </a:r>
-            <a:r>
-              <a:rPr lang="it-IT" b="0" dirty="0">
-                <a:solidFill>
-                  <a:srgbClr val="CCCCCC"/>
-                </a:solidFill>
-                <a:effectLst/>
-                <a:highlight>
-                  <a:srgbClr val="1F1F1F"/>
-                </a:highlight>
-                <a:latin typeface="Consolas" panose="020B0609020204030204" pitchFamily="49" charset="0"/>
-              </a:rPr>
-              <a:t> </a:t>
-            </a:r>
-            <a:r>
-              <a:rPr lang="it-IT" b="0" dirty="0">
-                <a:solidFill>
-                  <a:srgbClr val="CE9178"/>
-                </a:solidFill>
-                <a:effectLst/>
-                <a:highlight>
-                  <a:srgbClr val="1F1F1F"/>
-                </a:highlight>
-                <a:latin typeface="Consolas" panose="020B0609020204030204" pitchFamily="49" charset="0"/>
-              </a:rPr>
-              <a:t>'_Sampled'</a:t>
-            </a:r>
-            <a:r>
-              <a:rPr lang="it-IT" b="0" dirty="0">
-                <a:solidFill>
-                  <a:srgbClr val="CCCCCC"/>
-                </a:solidFill>
-                <a:effectLst/>
-                <a:highlight>
-                  <a:srgbClr val="1F1F1F"/>
-                </a:highlight>
-                <a:latin typeface="Consolas" panose="020B0609020204030204" pitchFamily="49" charset="0"/>
-              </a:rPr>
-              <a:t>)</a:t>
-            </a:r>
-          </a:p>
-          <a:p>
-            <a:pPr marL="0" indent="0">
-              <a:buNone/>
-            </a:pPr>
-            <a:r>
-              <a:rPr lang="it-IT" b="0" dirty="0">
-                <a:solidFill>
-                  <a:srgbClr val="9CDCFE"/>
-                </a:solidFill>
-                <a:effectLst/>
-                <a:highlight>
-                  <a:srgbClr val="1F1F1F"/>
-                </a:highlight>
-                <a:latin typeface="Consolas" panose="020B0609020204030204" pitchFamily="49" charset="0"/>
-              </a:rPr>
-              <a:t>number_of_samples</a:t>
-            </a:r>
-            <a:r>
-              <a:rPr lang="it-IT" b="0" dirty="0">
-                <a:solidFill>
-                  <a:srgbClr val="CCCCCC"/>
-                </a:solidFill>
-                <a:effectLst/>
-                <a:highlight>
-                  <a:srgbClr val="1F1F1F"/>
-                </a:highlight>
-                <a:latin typeface="Consolas" panose="020B0609020204030204" pitchFamily="49" charset="0"/>
-              </a:rPr>
-              <a:t> </a:t>
-            </a:r>
-            <a:r>
-              <a:rPr lang="it-IT" b="0" dirty="0">
-                <a:solidFill>
-                  <a:srgbClr val="D4D4D4"/>
-                </a:solidFill>
-                <a:effectLst/>
-                <a:highlight>
-                  <a:srgbClr val="1F1F1F"/>
-                </a:highlight>
-                <a:latin typeface="Consolas" panose="020B0609020204030204" pitchFamily="49" charset="0"/>
-              </a:rPr>
-              <a:t>=</a:t>
-            </a:r>
-            <a:r>
-              <a:rPr lang="it-IT" b="0" dirty="0">
-                <a:solidFill>
-                  <a:srgbClr val="CCCCCC"/>
-                </a:solidFill>
-                <a:effectLst/>
-                <a:highlight>
-                  <a:srgbClr val="1F1F1F"/>
-                </a:highlight>
-                <a:latin typeface="Consolas" panose="020B0609020204030204" pitchFamily="49" charset="0"/>
-              </a:rPr>
-              <a:t> (</a:t>
-            </a:r>
-            <a:r>
-              <a:rPr lang="it-IT" b="0" dirty="0">
-                <a:solidFill>
-                  <a:srgbClr val="9CDCFE"/>
-                </a:solidFill>
-                <a:effectLst/>
-                <a:highlight>
-                  <a:srgbClr val="1F1F1F"/>
-                </a:highlight>
-                <a:latin typeface="Consolas" panose="020B0609020204030204" pitchFamily="49" charset="0"/>
-              </a:rPr>
-              <a:t>df</a:t>
-            </a:r>
-            <a:r>
-              <a:rPr lang="it-IT" b="0" dirty="0">
-                <a:solidFill>
-                  <a:srgbClr val="CCCCCC"/>
-                </a:solidFill>
-                <a:effectLst/>
-                <a:highlight>
-                  <a:srgbClr val="1F1F1F"/>
-                </a:highlight>
-                <a:latin typeface="Consolas" panose="020B0609020204030204" pitchFamily="49" charset="0"/>
-              </a:rPr>
-              <a:t>.</a:t>
-            </a:r>
-            <a:r>
-              <a:rPr lang="it-IT" b="0" dirty="0">
-                <a:solidFill>
-                  <a:srgbClr val="9CDCFE"/>
-                </a:solidFill>
-                <a:effectLst/>
-                <a:highlight>
-                  <a:srgbClr val="1F1F1F"/>
-                </a:highlight>
-                <a:latin typeface="Consolas" panose="020B0609020204030204" pitchFamily="49" charset="0"/>
-              </a:rPr>
-              <a:t>index</a:t>
-            </a:r>
-            <a:r>
-              <a:rPr lang="it-IT" b="0" dirty="0">
-                <a:solidFill>
-                  <a:srgbClr val="CCCCCC"/>
-                </a:solidFill>
-                <a:effectLst/>
-                <a:highlight>
-                  <a:srgbClr val="1F1F1F"/>
-                </a:highlight>
-                <a:latin typeface="Consolas" panose="020B0609020204030204" pitchFamily="49" charset="0"/>
-              </a:rPr>
-              <a:t>)</a:t>
-            </a:r>
-            <a:r>
-              <a:rPr lang="it-IT" b="0" dirty="0">
-                <a:solidFill>
-                  <a:srgbClr val="DCDCAA"/>
-                </a:solidFill>
-                <a:effectLst/>
-                <a:highlight>
-                  <a:srgbClr val="1F1F1F"/>
-                </a:highlight>
-                <a:latin typeface="Consolas" panose="020B0609020204030204" pitchFamily="49" charset="0"/>
-              </a:rPr>
-              <a:t>/</a:t>
-            </a:r>
-            <a:r>
-              <a:rPr lang="it-IT" b="0" dirty="0">
-                <a:solidFill>
-                  <a:srgbClr val="9CDCFE"/>
-                </a:solidFill>
-                <a:effectLst/>
-                <a:highlight>
-                  <a:srgbClr val="1F1F1F"/>
-                </a:highlight>
-                <a:latin typeface="Consolas" panose="020B0609020204030204" pitchFamily="49" charset="0"/>
-              </a:rPr>
-              <a:t>SamplingFactor</a:t>
-            </a:r>
-            <a:endParaRPr lang="it-IT" b="0" dirty="0">
-              <a:solidFill>
-                <a:srgbClr val="CCCCCC"/>
-              </a:solidFill>
-              <a:effectLst/>
-              <a:highlight>
-                <a:srgbClr val="1F1F1F"/>
-              </a:highlight>
-              <a:latin typeface="Consolas" panose="020B0609020204030204" pitchFamily="49" charset="0"/>
-            </a:endParaRPr>
-          </a:p>
-          <a:p>
-            <a:pPr marL="0" indent="0">
-              <a:buNone/>
-            </a:pPr>
-            <a:r>
-              <a:rPr lang="it-IT" b="0" dirty="0">
-                <a:solidFill>
-                  <a:srgbClr val="9CDCFE"/>
-                </a:solidFill>
-                <a:effectLst/>
-                <a:highlight>
-                  <a:srgbClr val="1F1F1F"/>
-                </a:highlight>
-                <a:latin typeface="Consolas" panose="020B0609020204030204" pitchFamily="49" charset="0"/>
-              </a:rPr>
-              <a:t>df</a:t>
-            </a:r>
-            <a:r>
-              <a:rPr lang="it-IT" b="0" dirty="0">
-                <a:solidFill>
-                  <a:srgbClr val="CCCCCC"/>
-                </a:solidFill>
-                <a:effectLst/>
-                <a:highlight>
-                  <a:srgbClr val="1F1F1F"/>
-                </a:highlight>
-                <a:latin typeface="Consolas" panose="020B0609020204030204" pitchFamily="49" charset="0"/>
-              </a:rPr>
-              <a:t> </a:t>
-            </a:r>
-            <a:r>
-              <a:rPr lang="it-IT" b="0" dirty="0">
-                <a:solidFill>
-                  <a:srgbClr val="D4D4D4"/>
-                </a:solidFill>
-                <a:effectLst/>
-                <a:highlight>
-                  <a:srgbClr val="1F1F1F"/>
-                </a:highlight>
-                <a:latin typeface="Consolas" panose="020B0609020204030204" pitchFamily="49" charset="0"/>
-              </a:rPr>
-              <a:t>=</a:t>
-            </a:r>
-            <a:r>
-              <a:rPr lang="it-IT" b="0" dirty="0">
-                <a:solidFill>
-                  <a:srgbClr val="CCCCCC"/>
-                </a:solidFill>
-                <a:effectLst/>
-                <a:highlight>
-                  <a:srgbClr val="1F1F1F"/>
-                </a:highlight>
-                <a:latin typeface="Consolas" panose="020B0609020204030204" pitchFamily="49" charset="0"/>
-              </a:rPr>
-              <a:t> </a:t>
-            </a:r>
-            <a:r>
-              <a:rPr lang="it-IT" b="0" dirty="0">
-                <a:solidFill>
-                  <a:srgbClr val="9CDCFE"/>
-                </a:solidFill>
-                <a:effectLst/>
-                <a:highlight>
-                  <a:srgbClr val="1F1F1F"/>
-                </a:highlight>
-                <a:latin typeface="Consolas" panose="020B0609020204030204" pitchFamily="49" charset="0"/>
-              </a:rPr>
-              <a:t>df</a:t>
-            </a:r>
-            <a:r>
-              <a:rPr lang="it-IT" b="0" dirty="0">
-                <a:solidFill>
-                  <a:srgbClr val="CCCCCC"/>
-                </a:solidFill>
-                <a:effectLst/>
-                <a:highlight>
-                  <a:srgbClr val="1F1F1F"/>
-                </a:highlight>
-                <a:latin typeface="Consolas" panose="020B0609020204030204" pitchFamily="49" charset="0"/>
-              </a:rPr>
-              <a:t>.</a:t>
-            </a:r>
-            <a:r>
-              <a:rPr lang="it-IT" b="0" dirty="0">
-                <a:solidFill>
-                  <a:srgbClr val="DCDCAA"/>
-                </a:solidFill>
-                <a:effectLst/>
-                <a:highlight>
-                  <a:srgbClr val="1F1F1F"/>
-                </a:highlight>
-                <a:latin typeface="Consolas" panose="020B0609020204030204" pitchFamily="49" charset="0"/>
-              </a:rPr>
-              <a:t>sample</a:t>
-            </a:r>
-            <a:r>
-              <a:rPr lang="it-IT" b="0" dirty="0">
-                <a:solidFill>
-                  <a:srgbClr val="CCCCCC"/>
-                </a:solidFill>
-                <a:effectLst/>
-                <a:highlight>
-                  <a:srgbClr val="1F1F1F"/>
-                </a:highlight>
-                <a:latin typeface="Consolas" panose="020B0609020204030204" pitchFamily="49" charset="0"/>
-              </a:rPr>
-              <a:t>(</a:t>
-            </a:r>
-            <a:r>
-              <a:rPr lang="it-IT" b="0" dirty="0">
-                <a:solidFill>
-                  <a:srgbClr val="9CDCFE"/>
-                </a:solidFill>
-                <a:effectLst/>
-                <a:highlight>
-                  <a:srgbClr val="1F1F1F"/>
-                </a:highlight>
-                <a:latin typeface="Consolas" panose="020B0609020204030204" pitchFamily="49" charset="0"/>
-              </a:rPr>
-              <a:t>n</a:t>
-            </a:r>
-            <a:r>
-              <a:rPr lang="it-IT" b="0" dirty="0">
-                <a:solidFill>
-                  <a:srgbClr val="CCCCCC"/>
-                </a:solidFill>
-                <a:effectLst/>
-                <a:highlight>
-                  <a:srgbClr val="1F1F1F"/>
-                </a:highlight>
-                <a:latin typeface="Consolas" panose="020B0609020204030204" pitchFamily="49" charset="0"/>
-              </a:rPr>
-              <a:t> </a:t>
-            </a:r>
-            <a:r>
-              <a:rPr lang="it-IT" b="0" dirty="0">
-                <a:solidFill>
-                  <a:srgbClr val="D4D4D4"/>
-                </a:solidFill>
-                <a:effectLst/>
-                <a:highlight>
-                  <a:srgbClr val="1F1F1F"/>
-                </a:highlight>
-                <a:latin typeface="Consolas" panose="020B0609020204030204" pitchFamily="49" charset="0"/>
-              </a:rPr>
-              <a:t>=</a:t>
-            </a:r>
-            <a:r>
-              <a:rPr lang="it-IT" b="0" dirty="0">
-                <a:solidFill>
-                  <a:srgbClr val="CCCCCC"/>
-                </a:solidFill>
-                <a:effectLst/>
-                <a:highlight>
-                  <a:srgbClr val="1F1F1F"/>
-                </a:highlight>
-                <a:latin typeface="Consolas" panose="020B0609020204030204" pitchFamily="49" charset="0"/>
-              </a:rPr>
-              <a:t> </a:t>
-            </a:r>
-            <a:r>
-              <a:rPr lang="it-IT" b="0" dirty="0">
-                <a:solidFill>
-                  <a:srgbClr val="9CDCFE"/>
-                </a:solidFill>
-                <a:effectLst/>
-                <a:highlight>
-                  <a:srgbClr val="1F1F1F"/>
-                </a:highlight>
-                <a:latin typeface="Consolas" panose="020B0609020204030204" pitchFamily="49" charset="0"/>
-              </a:rPr>
-              <a:t>number_of_samples</a:t>
-            </a:r>
-            <a:r>
-              <a:rPr lang="it-IT" b="0" dirty="0">
-                <a:solidFill>
-                  <a:srgbClr val="CCCCCC"/>
-                </a:solidFill>
-                <a:effectLst/>
-                <a:highlight>
-                  <a:srgbClr val="1F1F1F"/>
-                </a:highlight>
-                <a:latin typeface="Consolas" panose="020B0609020204030204" pitchFamily="49" charset="0"/>
-              </a:rPr>
-              <a:t>, </a:t>
-            </a:r>
-            <a:r>
-              <a:rPr lang="it-IT" b="0" dirty="0">
-                <a:solidFill>
-                  <a:srgbClr val="9CDCFE"/>
-                </a:solidFill>
-                <a:effectLst/>
-                <a:highlight>
-                  <a:srgbClr val="1F1F1F"/>
-                </a:highlight>
-                <a:latin typeface="Consolas" panose="020B0609020204030204" pitchFamily="49" charset="0"/>
-              </a:rPr>
-              <a:t>random_state</a:t>
-            </a:r>
-            <a:r>
-              <a:rPr lang="it-IT" b="0" dirty="0">
-                <a:solidFill>
-                  <a:srgbClr val="CCCCCC"/>
-                </a:solidFill>
-                <a:effectLst/>
-                <a:highlight>
-                  <a:srgbClr val="1F1F1F"/>
-                </a:highlight>
-                <a:latin typeface="Consolas" panose="020B0609020204030204" pitchFamily="49" charset="0"/>
-              </a:rPr>
-              <a:t> </a:t>
-            </a:r>
-            <a:r>
-              <a:rPr lang="it-IT" b="0" dirty="0">
-                <a:solidFill>
-                  <a:srgbClr val="D4D4D4"/>
-                </a:solidFill>
-                <a:effectLst/>
-                <a:highlight>
-                  <a:srgbClr val="1F1F1F"/>
-                </a:highlight>
-                <a:latin typeface="Consolas" panose="020B0609020204030204" pitchFamily="49" charset="0"/>
-              </a:rPr>
-              <a:t>=</a:t>
-            </a:r>
-            <a:r>
-              <a:rPr lang="it-IT" b="0" dirty="0">
-                <a:solidFill>
-                  <a:srgbClr val="CCCCCC"/>
-                </a:solidFill>
-                <a:effectLst/>
-                <a:highlight>
-                  <a:srgbClr val="1F1F1F"/>
-                </a:highlight>
-                <a:latin typeface="Consolas" panose="020B0609020204030204" pitchFamily="49" charset="0"/>
-              </a:rPr>
-              <a:t> </a:t>
-            </a:r>
-            <a:r>
-              <a:rPr lang="it-IT" b="0" dirty="0">
-                <a:solidFill>
-                  <a:srgbClr val="B5CEA8"/>
-                </a:solidFill>
-                <a:effectLst/>
-                <a:highlight>
-                  <a:srgbClr val="1F1F1F"/>
-                </a:highlight>
-                <a:latin typeface="Consolas" panose="020B0609020204030204" pitchFamily="49" charset="0"/>
-              </a:rPr>
-              <a:t>351</a:t>
-            </a:r>
-            <a:r>
-              <a:rPr lang="it-IT" b="0" dirty="0">
-                <a:solidFill>
-                  <a:srgbClr val="CCCCCC"/>
-                </a:solidFill>
-                <a:effectLst/>
-                <a:highlight>
-                  <a:srgbClr val="1F1F1F"/>
-                </a:highlight>
-                <a:latin typeface="Consolas" panose="020B0609020204030204" pitchFamily="49" charset="0"/>
-              </a:rPr>
-              <a:t>)</a:t>
-            </a:r>
-          </a:p>
-          <a:p>
-            <a:pPr marL="0" indent="0">
-              <a:buNone/>
-            </a:pPr>
-            <a:r>
-              <a:rPr lang="it-IT" b="0" dirty="0">
-                <a:solidFill>
-                  <a:srgbClr val="6A9955"/>
-                </a:solidFill>
-                <a:effectLst/>
-                <a:highlight>
-                  <a:srgbClr val="1F1F1F"/>
-                </a:highlight>
-                <a:latin typeface="Consolas" panose="020B0609020204030204" pitchFamily="49" charset="0"/>
-              </a:rPr>
-              <a:t># save sampled dataset</a:t>
-            </a:r>
-            <a:endParaRPr lang="it-IT" b="0" dirty="0">
-              <a:solidFill>
-                <a:srgbClr val="CCCCCC"/>
-              </a:solidFill>
-              <a:effectLst/>
-              <a:highlight>
-                <a:srgbClr val="1F1F1F"/>
-              </a:highlight>
-              <a:latin typeface="Consolas" panose="020B0609020204030204" pitchFamily="49" charset="0"/>
-            </a:endParaRPr>
-          </a:p>
-          <a:p>
-            <a:pPr marL="0" indent="0">
-              <a:buNone/>
-            </a:pPr>
-            <a:r>
-              <a:rPr lang="it-IT" b="0" dirty="0">
-                <a:solidFill>
-                  <a:srgbClr val="9CDCFE"/>
-                </a:solidFill>
-                <a:effectLst/>
-                <a:highlight>
-                  <a:srgbClr val="1F1F1F"/>
-                </a:highlight>
-                <a:latin typeface="Consolas" panose="020B0609020204030204" pitchFamily="49" charset="0"/>
-              </a:rPr>
-              <a:t>df</a:t>
-            </a:r>
-            <a:r>
-              <a:rPr lang="it-IT" b="0" dirty="0">
-                <a:solidFill>
-                  <a:srgbClr val="CCCCCC"/>
-                </a:solidFill>
-                <a:effectLst/>
-                <a:highlight>
-                  <a:srgbClr val="1F1F1F"/>
-                </a:highlight>
-                <a:latin typeface="Consolas" panose="020B0609020204030204" pitchFamily="49" charset="0"/>
-              </a:rPr>
-              <a:t>.</a:t>
-            </a:r>
-            <a:r>
-              <a:rPr lang="it-IT" b="0" dirty="0">
-                <a:solidFill>
-                  <a:srgbClr val="DCDCAA"/>
-                </a:solidFill>
-                <a:effectLst/>
-                <a:highlight>
-                  <a:srgbClr val="1F1F1F"/>
-                </a:highlight>
-                <a:latin typeface="Consolas" panose="020B0609020204030204" pitchFamily="49" charset="0"/>
-              </a:rPr>
-              <a:t>to_csv</a:t>
-            </a:r>
-            <a:r>
-              <a:rPr lang="it-IT" b="0" dirty="0">
-                <a:solidFill>
-                  <a:srgbClr val="CCCCCC"/>
-                </a:solidFill>
-                <a:effectLst/>
-                <a:highlight>
-                  <a:srgbClr val="1F1F1F"/>
-                </a:highlight>
-                <a:latin typeface="Consolas" panose="020B0609020204030204" pitchFamily="49" charset="0"/>
-              </a:rPr>
-              <a:t>(</a:t>
-            </a:r>
-            <a:r>
-              <a:rPr lang="it-IT" b="0" dirty="0">
-                <a:solidFill>
-                  <a:srgbClr val="9CDCFE"/>
-                </a:solidFill>
-                <a:effectLst/>
-                <a:highlight>
-                  <a:srgbClr val="1F1F1F"/>
-                </a:highlight>
-                <a:latin typeface="Consolas" panose="020B0609020204030204" pitchFamily="49" charset="0"/>
-              </a:rPr>
-              <a:t>df_acc_name</a:t>
+              <a:t>name</a:t>
             </a:r>
             <a:r>
               <a:rPr lang="it-IT" b="0" dirty="0">
